--- a/ppt/pic.pptx
+++ b/ppt/pic.pptx
@@ -17103,7 +17103,7 @@
     <mc:Choice Requires="p14">
       <p:transition p14:dur="10"/>
     </mc:Choice>
-    <mc:Fallback xmlns="" xmlns:a16="http://schemas.microsoft.com/office/drawing/2014/main" xmlns:a14="http://schemas.microsoft.com/office/drawing/2010/main">
+    <mc:Fallback xmlns:a14="http://schemas.microsoft.com/office/drawing/2010/main" xmlns:a16="http://schemas.microsoft.com/office/drawing/2014/main" xmlns="">
       <p:transition/>
     </mc:Fallback>
   </mc:AlternateContent>
